--- a/lectures/Lecture_2-Modeling-Reaction-Networks/Modeling-Reaction-Networks.pptx
+++ b/lectures/Lecture_2-Modeling-Reaction-Networks/Modeling-Reaction-Networks.pptx
@@ -5,25 +5,26 @@
     <p:sldMasterId id="2147483648" r:id="rId1"/>
   </p:sldMasterIdLst>
   <p:notesMasterIdLst>
-    <p:notesMasterId r:id="rId8"/>
+    <p:notesMasterId r:id="rId9"/>
   </p:notesMasterIdLst>
   <p:sldIdLst>
     <p:sldId id="256" r:id="rId2"/>
     <p:sldId id="257" r:id="rId3"/>
     <p:sldId id="282" r:id="rId4"/>
     <p:sldId id="289" r:id="rId5"/>
-    <p:sldId id="290" r:id="rId6"/>
-    <p:sldId id="291" r:id="rId7"/>
+    <p:sldId id="291" r:id="rId6"/>
+    <p:sldId id="293" r:id="rId7"/>
+    <p:sldId id="292" r:id="rId8"/>
   </p:sldIdLst>
   <p:sldSz cx="9144000" cy="6858000" type="screen4x3"/>
   <p:notesSz cx="6858000" cy="9144000"/>
   <p:embeddedFontLst>
     <p:embeddedFont>
       <p:font typeface="Calibri" panose="020F0502020204030204" pitchFamily="34" charset="0"/>
-      <p:regular r:id="rId9"/>
-      <p:bold r:id="rId10"/>
-      <p:italic r:id="rId11"/>
-      <p:boldItalic r:id="rId12"/>
+      <p:regular r:id="rId10"/>
+      <p:bold r:id="rId11"/>
+      <p:italic r:id="rId12"/>
+      <p:boldItalic r:id="rId13"/>
     </p:embeddedFont>
   </p:embeddedFontLst>
   <p:defaultTextStyle>
@@ -14416,7 +14417,7 @@
         <p:spPr>
           <a:xfrm>
             <a:off x="457200" y="1212799"/>
-            <a:ext cx="8639502" cy="3231654"/>
+            <a:ext cx="8639502" cy="2492990"/>
           </a:xfrm>
           <a:prstGeom prst="rect">
             <a:avLst/>
@@ -14452,36 +14453,6 @@
           <a:p>
             <a:r>
               <a:rPr lang="en-US" sz="1200" dirty="0"/>
-              <a:t>v2: </a:t>
-            </a:r>
-            <a:r>
-              <a:rPr lang="en-US" sz="1200" dirty="0" err="1"/>
-              <a:t>pIR</a:t>
-            </a:r>
-            <a:r>
-              <a:rPr lang="en-US" sz="1200" dirty="0"/>
-              <a:t> =&gt; IR; compartment_*</a:t>
-            </a:r>
-            <a:r>
-              <a:rPr lang="en-US" sz="1200" dirty="0" err="1"/>
-              <a:t>Henri_Michaelis_Menten__irreversible</a:t>
-            </a:r>
-            <a:r>
-              <a:rPr lang="en-US" sz="1200" dirty="0"/>
-              <a:t>(</a:t>
-            </a:r>
-            <a:r>
-              <a:rPr lang="en-US" sz="1200" dirty="0" err="1"/>
-              <a:t>pIR</a:t>
-            </a:r>
-            <a:r>
-              <a:rPr lang="en-US" sz="1200" dirty="0"/>
-              <a:t>, Km2, V2); </a:t>
-            </a:r>
-          </a:p>
-          <a:p>
-            <a:r>
-              <a:rPr lang="en-US" sz="1200" dirty="0"/>
               <a:t>v3: IRS =&gt; </a:t>
             </a:r>
             <a:r>
@@ -14512,36 +14483,6 @@
           <a:p>
             <a:r>
               <a:rPr lang="en-US" sz="1200" dirty="0"/>
-              <a:t>v4: </a:t>
-            </a:r>
-            <a:r>
-              <a:rPr lang="en-US" sz="1200" dirty="0" err="1"/>
-              <a:t>pIRS</a:t>
-            </a:r>
-            <a:r>
-              <a:rPr lang="en-US" sz="1200" dirty="0"/>
-              <a:t> =&gt; IRS; compartment_*</a:t>
-            </a:r>
-            <a:r>
-              <a:rPr lang="en-US" sz="1200" dirty="0" err="1"/>
-              <a:t>Henri_Michaelis_Menten__irreversible</a:t>
-            </a:r>
-            <a:r>
-              <a:rPr lang="en-US" sz="1200" dirty="0"/>
-              <a:t>(</a:t>
-            </a:r>
-            <a:r>
-              <a:rPr lang="en-US" sz="1200" dirty="0" err="1"/>
-              <a:t>pIRS</a:t>
-            </a:r>
-            <a:r>
-              <a:rPr lang="en-US" sz="1200" dirty="0"/>
-              <a:t>, Km4, V4); </a:t>
-            </a:r>
-          </a:p>
-          <a:p>
-            <a:r>
-              <a:rPr lang="en-US" sz="1200" dirty="0"/>
               <a:t>v5: Akt =&gt; </a:t>
             </a:r>
             <a:r>
@@ -14558,75 +14499,13 @@
             </a:r>
             <a:r>
               <a:rPr lang="en-US" sz="1200" dirty="0"/>
-              <a:t>, Akt, Km5a, k5cb, pmTORC2, Km5b</a:t>
-            </a:r>
-            <a:r>
-              <a:rPr lang="en-US" sz="1200"/>
-              <a:t>); </a:t>
-            </a:r>
-          </a:p>
-          <a:p>
-            <a:r>
-              <a:rPr lang="en-US" sz="1200"/>
-              <a:t>v6</a:t>
-            </a:r>
-            <a:r>
-              <a:rPr lang="en-US" sz="1200" dirty="0"/>
-              <a:t>: </a:t>
-            </a:r>
-            <a:r>
-              <a:rPr lang="en-US" sz="1200" dirty="0" err="1"/>
-              <a:t>pAkt</a:t>
-            </a:r>
-            <a:r>
-              <a:rPr lang="en-US" sz="1200" dirty="0"/>
-              <a:t> =&gt; Akt; compartment_*</a:t>
-            </a:r>
-            <a:r>
-              <a:rPr lang="en-US" sz="1200" dirty="0" err="1"/>
-              <a:t>Henri_Michaelis_Menten__irreversible</a:t>
-            </a:r>
-            <a:r>
-              <a:rPr lang="en-US" sz="1200" dirty="0"/>
-              <a:t>(</a:t>
-            </a:r>
-            <a:r>
-              <a:rPr lang="en-US" sz="1200" dirty="0" err="1"/>
-              <a:t>pAkt</a:t>
-            </a:r>
-            <a:r>
-              <a:rPr lang="en-US" sz="1200" dirty="0"/>
-              <a:t>, Km6, V6); </a:t>
+              <a:t>, Akt, Km5a, k5cb, pmTORC2, Km5b); </a:t>
             </a:r>
           </a:p>
           <a:p>
             <a:r>
               <a:rPr lang="en-US" sz="1200" dirty="0"/>
-              <a:t>v7: mTORC1 =&gt; pmTORC1; compartment_*</a:t>
-            </a:r>
-            <a:r>
-              <a:rPr lang="en-US" sz="1200" dirty="0" err="1"/>
-              <a:t>HMM_Mod</a:t>
-            </a:r>
-            <a:r>
-              <a:rPr lang="en-US" sz="1200" dirty="0"/>
-              <a:t>(k7c, mTORC1, </a:t>
-            </a:r>
-            <a:r>
-              <a:rPr lang="en-US" sz="1200" dirty="0" err="1"/>
-              <a:t>pAkt</a:t>
-            </a:r>
-            <a:r>
-              <a:rPr lang="en-US" sz="1200" dirty="0"/>
-              <a:t>, Km7); v8: pmTORC1 =&gt; mTORC1; compartment_*</a:t>
-            </a:r>
-            <a:r>
-              <a:rPr lang="en-US" sz="1200" dirty="0" err="1"/>
-              <a:t>Henri_Michaelis_Menten__irreversible</a:t>
-            </a:r>
-            <a:r>
-              <a:rPr lang="en-US" sz="1200" dirty="0"/>
-              <a:t>(pmTORC1, Km8, V8); v9: mTORC2 =&gt; pmTORC2; compartment_*</a:t>
+              <a:t>v9: mTORC2 =&gt; pmTORC2; compartment_*</a:t>
             </a:r>
             <a:r>
               <a:rPr lang="en-US" sz="1200" dirty="0" err="1"/>
@@ -14642,7 +14521,13 @@
             </a:r>
             <a:r>
               <a:rPr lang="en-US" sz="1200" dirty="0"/>
-              <a:t>, Km9); v10: pmTORC2 =&gt; mTORC2; compartment_*</a:t>
+              <a:t>, Km9); </a:t>
+            </a:r>
+          </a:p>
+          <a:p>
+            <a:r>
+              <a:rPr lang="en-US" sz="1200" dirty="0"/>
+              <a:t>v10: pmTORC2 =&gt; mTORC2; compartment_*</a:t>
             </a:r>
             <a:r>
               <a:rPr lang="en-US" sz="1200" dirty="0" err="1"/>
@@ -14650,7 +14535,13 @@
             </a:r>
             <a:r>
               <a:rPr lang="en-US" sz="1200" dirty="0"/>
-              <a:t>(pmTORC2, Km10, V10); v11: DEPTOR =&gt; </a:t>
+              <a:t>(pmTORC2, Km10, V10); </a:t>
+            </a:r>
+          </a:p>
+          <a:p>
+            <a:r>
+              <a:rPr lang="en-US" sz="1200" dirty="0"/>
+              <a:t>v11: DEPTOR =&gt; </a:t>
             </a:r>
             <a:r>
               <a:rPr lang="en-US" sz="1200" dirty="0" err="1"/>
@@ -14690,423 +14581,13 @@
             </a:r>
             <a:r>
               <a:rPr lang="en-US" sz="1200" dirty="0"/>
-              <a:t>, Km12, V12); v13: mTORC1 + DEPTOR -&gt; mTORC1_DEPTOR; compartment_*(k13f*mTORC1*DEPTOR - k13r*mTORC1_DEPTOR); v14: mTORC2 + DEPTOR -&gt; mTORC2_DEPTOR; compartment_*(k14f*mTORC2*DEPTOR - k14r*mTORC2_DEPTOR); v15: IRS =&gt; </a:t>
-            </a:r>
-            <a:r>
-              <a:rPr lang="en-US" sz="1200" dirty="0" err="1"/>
-              <a:t>iIRS</a:t>
-            </a:r>
-            <a:r>
-              <a:rPr lang="en-US" sz="1200" dirty="0"/>
-              <a:t>; compartment_*</a:t>
-            </a:r>
-            <a:r>
-              <a:rPr lang="en-US" sz="1200" dirty="0" err="1"/>
-              <a:t>HMM_Mod</a:t>
-            </a:r>
-            <a:r>
-              <a:rPr lang="en-US" sz="1200" dirty="0"/>
-              <a:t>(k15c, IRS, pmTORC1, Km15); </a:t>
+              <a:t>, Km12, V12); </a:t>
             </a:r>
           </a:p>
           <a:p>
             <a:r>
               <a:rPr lang="en-US" sz="1200" dirty="0"/>
-              <a:t>v16: </a:t>
-            </a:r>
-            <a:r>
-              <a:rPr lang="en-US" sz="1200" dirty="0" err="1"/>
-              <a:t>iIRS</a:t>
-            </a:r>
-            <a:r>
-              <a:rPr lang="en-US" sz="1200" dirty="0"/>
-              <a:t> =&gt; IRS; compartment_*</a:t>
-            </a:r>
-            <a:r>
-              <a:rPr lang="en-US" sz="1200" dirty="0" err="1"/>
-              <a:t>Henri_Michaelis_Menten__irreversible</a:t>
-            </a:r>
-            <a:r>
-              <a:rPr lang="en-US" sz="1200" dirty="0"/>
-              <a:t>(</a:t>
-            </a:r>
-            <a:r>
-              <a:rPr lang="en-US" sz="1200" dirty="0" err="1"/>
-              <a:t>iIRS</a:t>
-            </a:r>
-            <a:r>
-              <a:rPr lang="en-US" sz="1200" dirty="0"/>
-              <a:t>, Km16, V16); v17: =&gt; DEPTOR; compartment_*</a:t>
-            </a:r>
-            <a:r>
-              <a:rPr lang="en-US" sz="1200" dirty="0" err="1"/>
-              <a:t>Constant_flux__irreversible</a:t>
-            </a:r>
-            <a:r>
-              <a:rPr lang="en-US" sz="1200" dirty="0"/>
-              <a:t>(ks17); v18: </a:t>
-            </a:r>
-            <a:r>
-              <a:rPr lang="en-US" sz="1200" dirty="0" err="1"/>
-              <a:t>pDEPTOR</a:t>
-            </a:r>
-            <a:r>
-              <a:rPr lang="en-US" sz="1200" dirty="0"/>
-              <a:t> =&gt; ; compartment_*kd18*</a:t>
-            </a:r>
-            <a:r>
-              <a:rPr lang="en-US" sz="1200" dirty="0" err="1"/>
-              <a:t>pDEPTOR</a:t>
-            </a:r>
-            <a:r>
-              <a:rPr lang="en-US" sz="1200" dirty="0"/>
-              <a:t>;</a:t>
-            </a:r>
-          </a:p>
-        </p:txBody>
-      </p:sp>
-    </p:spTree>
-    <p:extLst>
-      <p:ext uri="{BB962C8B-B14F-4D97-AF65-F5344CB8AC3E}">
-        <p14:creationId xmlns:p14="http://schemas.microsoft.com/office/powerpoint/2010/main" val="3656457109"/>
-      </p:ext>
-    </p:extLst>
-  </p:cSld>
-  <p:clrMapOvr>
-    <a:masterClrMapping/>
-  </p:clrMapOvr>
-</p:sld>
-</file>
-
-<file path=ppt/slides/slide6.xml><?xml version="1.0" encoding="utf-8"?>
-<p:sld xmlns:a="http://schemas.openxmlformats.org/drawingml/2006/main" xmlns:r="http://schemas.openxmlformats.org/officeDocument/2006/relationships" xmlns:p="http://schemas.openxmlformats.org/presentationml/2006/main">
-  <p:cSld>
-    <p:spTree>
-      <p:nvGrpSpPr>
-        <p:cNvPr id="1" name=""/>
-        <p:cNvGrpSpPr/>
-        <p:nvPr/>
-      </p:nvGrpSpPr>
-      <p:grpSpPr>
-        <a:xfrm>
-          <a:off x="0" y="0"/>
-          <a:ext cx="0" cy="0"/>
-          <a:chOff x="0" y="0"/>
-          <a:chExt cx="0" cy="0"/>
-        </a:xfrm>
-      </p:grpSpPr>
-      <p:sp>
-        <p:nvSpPr>
-          <p:cNvPr id="2" name="Title 1">
-            <a:extLst>
-              <a:ext uri="{FF2B5EF4-FFF2-40B4-BE49-F238E27FC236}">
-                <a16:creationId xmlns:a16="http://schemas.microsoft.com/office/drawing/2014/main" id="{979E326A-FCFC-2B4A-BD59-B51B65A57EAE}"/>
-              </a:ext>
-            </a:extLst>
-          </p:cNvPr>
-          <p:cNvSpPr>
-            <a:spLocks noGrp="1"/>
-          </p:cNvSpPr>
-          <p:nvPr>
-            <p:ph type="title"/>
-          </p:nvPr>
-        </p:nvSpPr>
-        <p:spPr/>
-        <p:txBody>
-          <a:bodyPr/>
-          <a:lstStyle/>
-          <a:p>
-            <a:r>
-              <a:rPr lang="en-US" dirty="0"/>
-              <a:t>Modeling mTOR Signaling</a:t>
-            </a:r>
-          </a:p>
-        </p:txBody>
-      </p:sp>
-      <p:sp>
-        <p:nvSpPr>
-          <p:cNvPr id="3" name="Slide Number Placeholder 2">
-            <a:extLst>
-              <a:ext uri="{FF2B5EF4-FFF2-40B4-BE49-F238E27FC236}">
-                <a16:creationId xmlns:a16="http://schemas.microsoft.com/office/drawing/2014/main" id="{1FD40D76-206A-F84C-9966-B60AB05DBFE5}"/>
-              </a:ext>
-            </a:extLst>
-          </p:cNvPr>
-          <p:cNvSpPr>
-            <a:spLocks noGrp="1"/>
-          </p:cNvSpPr>
-          <p:nvPr>
-            <p:ph type="sldNum" idx="12"/>
-          </p:nvPr>
-        </p:nvSpPr>
-        <p:spPr/>
-        <p:txBody>
-          <a:bodyPr/>
-          <a:lstStyle/>
-          <a:p>
-            <a:pPr marL="0" lvl="0" indent="0" algn="l" rtl="0">
-              <a:spcBef>
-                <a:spcPts val="0"/>
-              </a:spcBef>
-              <a:spcAft>
-                <a:spcPts val="0"/>
-              </a:spcAft>
-              <a:buNone/>
-            </a:pPr>
-            <a:fld id="{00000000-1234-1234-1234-123412341234}" type="slidenum">
-              <a:rPr lang="en-US" smtClean="0"/>
-              <a:t>6</a:t>
-            </a:fld>
-            <a:endParaRPr lang="en-US"/>
-          </a:p>
-        </p:txBody>
-      </p:sp>
-      <p:sp>
-        <p:nvSpPr>
-          <p:cNvPr id="4" name="Rectangle 3">
-            <a:extLst>
-              <a:ext uri="{FF2B5EF4-FFF2-40B4-BE49-F238E27FC236}">
-                <a16:creationId xmlns:a16="http://schemas.microsoft.com/office/drawing/2014/main" id="{8B0A6E5E-6BD2-024F-94FB-787E0397074F}"/>
-              </a:ext>
-            </a:extLst>
-          </p:cNvPr>
-          <p:cNvSpPr/>
-          <p:nvPr/>
-        </p:nvSpPr>
-        <p:spPr>
-          <a:xfrm>
-            <a:off x="457200" y="1212799"/>
-            <a:ext cx="8639502" cy="3046988"/>
-          </a:xfrm>
-          <a:prstGeom prst="rect">
-            <a:avLst/>
-          </a:prstGeom>
-        </p:spPr>
-        <p:txBody>
-          <a:bodyPr wrap="square">
-            <a:spAutoFit/>
-          </a:bodyPr>
-          <a:lstStyle/>
-          <a:p>
-            <a:r>
-              <a:rPr lang="en-US" sz="1200" dirty="0"/>
-              <a:t>v1: IR =&gt; </a:t>
-            </a:r>
-            <a:r>
-              <a:rPr lang="en-US" sz="1200" dirty="0" err="1"/>
-              <a:t>pIR</a:t>
-            </a:r>
-            <a:r>
-              <a:rPr lang="en-US" sz="1200" dirty="0"/>
-              <a:t>; compartment_*</a:t>
-            </a:r>
-            <a:r>
-              <a:rPr lang="en-US" sz="1200" dirty="0" err="1"/>
-              <a:t>Henri_Michaelis_Menten__irreversible</a:t>
-            </a:r>
-            <a:r>
-              <a:rPr lang="en-US" sz="1200" dirty="0"/>
-              <a:t>(IR, Km1, V1); v2: </a:t>
-            </a:r>
-            <a:r>
-              <a:rPr lang="en-US" sz="1200" dirty="0" err="1"/>
-              <a:t>pIR</a:t>
-            </a:r>
-            <a:r>
-              <a:rPr lang="en-US" sz="1200" dirty="0"/>
-              <a:t> =&gt; IR; compartment_*</a:t>
-            </a:r>
-            <a:r>
-              <a:rPr lang="en-US" sz="1200" dirty="0" err="1"/>
-              <a:t>Henri_Michaelis_Menten__irreversible</a:t>
-            </a:r>
-            <a:r>
-              <a:rPr lang="en-US" sz="1200" dirty="0"/>
-              <a:t>(</a:t>
-            </a:r>
-            <a:r>
-              <a:rPr lang="en-US" sz="1200" dirty="0" err="1"/>
-              <a:t>pIR</a:t>
-            </a:r>
-            <a:r>
-              <a:rPr lang="en-US" sz="1200" dirty="0"/>
-              <a:t>, Km2, V2); v3: IRS =&gt; </a:t>
-            </a:r>
-            <a:r>
-              <a:rPr lang="en-US" sz="1200" dirty="0" err="1"/>
-              <a:t>pIRS</a:t>
-            </a:r>
-            <a:r>
-              <a:rPr lang="en-US" sz="1200" dirty="0"/>
-              <a:t>; compartment_*</a:t>
-            </a:r>
-            <a:r>
-              <a:rPr lang="en-US" sz="1200" dirty="0" err="1"/>
-              <a:t>HMM_Mod</a:t>
-            </a:r>
-            <a:r>
-              <a:rPr lang="en-US" sz="1200" dirty="0"/>
-              <a:t>(k3c, IRS, </a:t>
-            </a:r>
-            <a:r>
-              <a:rPr lang="en-US" sz="1200" dirty="0" err="1"/>
-              <a:t>pIR</a:t>
-            </a:r>
-            <a:r>
-              <a:rPr lang="en-US" sz="1200" dirty="0"/>
-              <a:t>, Km3); v4: </a:t>
-            </a:r>
-            <a:r>
-              <a:rPr lang="en-US" sz="1200" dirty="0" err="1"/>
-              <a:t>pIRS</a:t>
-            </a:r>
-            <a:r>
-              <a:rPr lang="en-US" sz="1200" dirty="0"/>
-              <a:t> =&gt; IRS; compartment_*</a:t>
-            </a:r>
-            <a:r>
-              <a:rPr lang="en-US" sz="1200" dirty="0" err="1"/>
-              <a:t>Henri_Michaelis_Menten__irreversible</a:t>
-            </a:r>
-            <a:r>
-              <a:rPr lang="en-US" sz="1200" dirty="0"/>
-              <a:t>(</a:t>
-            </a:r>
-            <a:r>
-              <a:rPr lang="en-US" sz="1200" dirty="0" err="1"/>
-              <a:t>pIRS</a:t>
-            </a:r>
-            <a:r>
-              <a:rPr lang="en-US" sz="1200" dirty="0"/>
-              <a:t>, Km4, V4); v5: Akt =&gt; </a:t>
-            </a:r>
-            <a:r>
-              <a:rPr lang="en-US" sz="1200" dirty="0" err="1"/>
-              <a:t>pAkt</a:t>
-            </a:r>
-            <a:r>
-              <a:rPr lang="en-US" sz="1200" dirty="0"/>
-              <a:t>; compartment_*Function_for_v5(k5ca, </a:t>
-            </a:r>
-            <a:r>
-              <a:rPr lang="en-US" sz="1200" dirty="0" err="1"/>
-              <a:t>pIRS</a:t>
-            </a:r>
-            <a:r>
-              <a:rPr lang="en-US" sz="1200" dirty="0"/>
-              <a:t>, Akt, Km5a, k5cb, pmTORC2, Km5b); v6: </a:t>
-            </a:r>
-            <a:r>
-              <a:rPr lang="en-US" sz="1200" dirty="0" err="1"/>
-              <a:t>pAkt</a:t>
-            </a:r>
-            <a:r>
-              <a:rPr lang="en-US" sz="1200" dirty="0"/>
-              <a:t> =&gt; Akt; compartment_*</a:t>
-            </a:r>
-            <a:r>
-              <a:rPr lang="en-US" sz="1200" dirty="0" err="1"/>
-              <a:t>Henri_Michaelis_Menten__irreversible</a:t>
-            </a:r>
-            <a:r>
-              <a:rPr lang="en-US" sz="1200" dirty="0"/>
-              <a:t>(</a:t>
-            </a:r>
-            <a:r>
-              <a:rPr lang="en-US" sz="1200" dirty="0" err="1"/>
-              <a:t>pAkt</a:t>
-            </a:r>
-            <a:r>
-              <a:rPr lang="en-US" sz="1200" dirty="0"/>
-              <a:t>, Km6, V6); v7: mTORC1 =&gt; pmTORC1; compartment_*</a:t>
-            </a:r>
-            <a:r>
-              <a:rPr lang="en-US" sz="1200" dirty="0" err="1"/>
-              <a:t>HMM_Mod</a:t>
-            </a:r>
-            <a:r>
-              <a:rPr lang="en-US" sz="1200" dirty="0"/>
-              <a:t>(k7c, mTORC1, </a:t>
-            </a:r>
-            <a:r>
-              <a:rPr lang="en-US" sz="1200" dirty="0" err="1"/>
-              <a:t>pAkt</a:t>
-            </a:r>
-            <a:r>
-              <a:rPr lang="en-US" sz="1200" dirty="0"/>
-              <a:t>, Km7); v8: pmTORC1 =&gt; mTORC1; compartment_*</a:t>
-            </a:r>
-            <a:r>
-              <a:rPr lang="en-US" sz="1200" dirty="0" err="1"/>
-              <a:t>Henri_Michaelis_Menten__irreversible</a:t>
-            </a:r>
-            <a:r>
-              <a:rPr lang="en-US" sz="1200" dirty="0"/>
-              <a:t>(pmTORC1, Km8, V8); v9: mTORC2 =&gt; pmTORC2; compartment_*</a:t>
-            </a:r>
-            <a:r>
-              <a:rPr lang="en-US" sz="1200" dirty="0" err="1"/>
-              <a:t>HMM_Mod</a:t>
-            </a:r>
-            <a:r>
-              <a:rPr lang="en-US" sz="1200" dirty="0"/>
-              <a:t>(k9c, mTORC2, </a:t>
-            </a:r>
-            <a:r>
-              <a:rPr lang="en-US" sz="1200" dirty="0" err="1"/>
-              <a:t>pIR</a:t>
-            </a:r>
-            <a:r>
-              <a:rPr lang="en-US" sz="1200" dirty="0"/>
-              <a:t>, Km9); v10: pmTORC2 =&gt; mTORC2; compartment_*</a:t>
-            </a:r>
-            <a:r>
-              <a:rPr lang="en-US" sz="1200" dirty="0" err="1"/>
-              <a:t>Henri_Michaelis_Menten__irreversible</a:t>
-            </a:r>
-            <a:r>
-              <a:rPr lang="en-US" sz="1200" dirty="0"/>
-              <a:t>(pmTORC2, Km10, V10); v11: DEPTOR =&gt; </a:t>
-            </a:r>
-            <a:r>
-              <a:rPr lang="en-US" sz="1200" dirty="0" err="1"/>
-              <a:t>pDEPTOR</a:t>
-            </a:r>
-            <a:r>
-              <a:rPr lang="en-US" sz="1200" dirty="0"/>
-              <a:t>; compartment_*Function_for_v11(k11ca, pmTORC1, DEPTOR, Km11a, </a:t>
-            </a:r>
-            <a:r>
-              <a:rPr lang="en-US" sz="1200" dirty="0" err="1"/>
-              <a:t>pDEPTOR</a:t>
-            </a:r>
-            <a:r>
-              <a:rPr lang="en-US" sz="1200" dirty="0"/>
-              <a:t>, k11cb, pmTORC2, Km11b); v12: </a:t>
-            </a:r>
-            <a:r>
-              <a:rPr lang="en-US" sz="1200" dirty="0" err="1"/>
-              <a:t>pDEPTOR</a:t>
-            </a:r>
-            <a:r>
-              <a:rPr lang="en-US" sz="1200" dirty="0"/>
-              <a:t> =&gt; DEPTOR; compartment_*</a:t>
-            </a:r>
-            <a:r>
-              <a:rPr lang="en-US" sz="1200" dirty="0" err="1"/>
-              <a:t>Henri_Michaelis_Menten__irreversible</a:t>
-            </a:r>
-            <a:r>
-              <a:rPr lang="en-US" sz="1200" dirty="0"/>
-              <a:t>(</a:t>
-            </a:r>
-            <a:r>
-              <a:rPr lang="en-US" sz="1200" dirty="0" err="1"/>
-              <a:t>pDEPTOR</a:t>
-            </a:r>
-            <a:r>
-              <a:rPr lang="en-US" sz="1200" dirty="0"/>
-              <a:t>, Km12, V12); v13: mTORC1 + DEPTOR -&gt; mTORC1_DEPTOR; compartment_*(k13f*mTORC1*DEPTOR - k13r*mTORC1_DEPTOR); v14: mTORC2 + DEPTOR -&gt; mTORC2_DEPTOR; compartment_*(k14f*mTORC2*DEPTOR - k14r*mTORC2_DEPTOR); v15: IRS =&gt; </a:t>
+              <a:t>v13: mTORC1 + DEPTOR -&gt; mTORC1_DEPTOR; compartment_*(k13f*mTORC1*DEPTOR - k13r*mTORC1_DEPTOR); v14: mTORC2 + DEPTOR -&gt; mTORC2_DEPTOR; compartment_*(k14f*mTORC2*DEPTOR - k14r*mTORC2_DEPTOR); v15: IRS =&gt; </a:t>
             </a:r>
             <a:r>
               <a:rPr lang="en-US" sz="1200" dirty="0" err="1"/>
@@ -15179,6 +14660,249 @@
     <p:extLst>
       <p:ext uri="{BB962C8B-B14F-4D97-AF65-F5344CB8AC3E}">
         <p14:creationId xmlns:p14="http://schemas.microsoft.com/office/powerpoint/2010/main" val="1559020695"/>
+      </p:ext>
+    </p:extLst>
+  </p:cSld>
+  <p:clrMapOvr>
+    <a:masterClrMapping/>
+  </p:clrMapOvr>
+</p:sld>
+</file>
+
+<file path=ppt/slides/slide6.xml><?xml version="1.0" encoding="utf-8"?>
+<p:sld xmlns:a="http://schemas.openxmlformats.org/drawingml/2006/main" xmlns:r="http://schemas.openxmlformats.org/officeDocument/2006/relationships" xmlns:p="http://schemas.openxmlformats.org/presentationml/2006/main">
+  <p:cSld>
+    <p:spTree>
+      <p:nvGrpSpPr>
+        <p:cNvPr id="1" name=""/>
+        <p:cNvGrpSpPr/>
+        <p:nvPr/>
+      </p:nvGrpSpPr>
+      <p:grpSpPr>
+        <a:xfrm>
+          <a:off x="0" y="0"/>
+          <a:ext cx="0" cy="0"/>
+          <a:chOff x="0" y="0"/>
+          <a:chExt cx="0" cy="0"/>
+        </a:xfrm>
+      </p:grpSpPr>
+      <p:sp>
+        <p:nvSpPr>
+          <p:cNvPr id="2" name="Title 1">
+            <a:extLst>
+              <a:ext uri="{FF2B5EF4-FFF2-40B4-BE49-F238E27FC236}">
+                <a16:creationId xmlns:a16="http://schemas.microsoft.com/office/drawing/2014/main" id="{B8946908-F255-6F4E-83D9-99277011C27B}"/>
+              </a:ext>
+            </a:extLst>
+          </p:cNvPr>
+          <p:cNvSpPr>
+            <a:spLocks noGrp="1"/>
+          </p:cNvSpPr>
+          <p:nvPr>
+            <p:ph type="title"/>
+          </p:nvPr>
+        </p:nvSpPr>
+        <p:spPr/>
+        <p:txBody>
+          <a:bodyPr/>
+          <a:lstStyle/>
+          <a:p>
+            <a:r>
+              <a:rPr lang="en-US" dirty="0"/>
+              <a:t>Elements of a Reaction</a:t>
+            </a:r>
+          </a:p>
+        </p:txBody>
+      </p:sp>
+      <p:sp>
+        <p:nvSpPr>
+          <p:cNvPr id="3" name="Slide Number Placeholder 2">
+            <a:extLst>
+              <a:ext uri="{FF2B5EF4-FFF2-40B4-BE49-F238E27FC236}">
+                <a16:creationId xmlns:a16="http://schemas.microsoft.com/office/drawing/2014/main" id="{A2D0C306-EF09-2C41-9F82-EE3029C266D0}"/>
+              </a:ext>
+            </a:extLst>
+          </p:cNvPr>
+          <p:cNvSpPr>
+            <a:spLocks noGrp="1"/>
+          </p:cNvSpPr>
+          <p:nvPr>
+            <p:ph type="sldNum" idx="12"/>
+          </p:nvPr>
+        </p:nvSpPr>
+        <p:spPr/>
+        <p:txBody>
+          <a:bodyPr/>
+          <a:lstStyle/>
+          <a:p>
+            <a:pPr marL="0" lvl="0" indent="0" algn="l" rtl="0">
+              <a:spcBef>
+                <a:spcPts val="0"/>
+              </a:spcBef>
+              <a:spcAft>
+                <a:spcPts val="0"/>
+              </a:spcAft>
+              <a:buNone/>
+            </a:pPr>
+            <a:fld id="{00000000-1234-1234-1234-123412341234}" type="slidenum">
+              <a:rPr lang="en-US" smtClean="0"/>
+              <a:t>6</a:t>
+            </a:fld>
+            <a:endParaRPr lang="en-US"/>
+          </a:p>
+        </p:txBody>
+      </p:sp>
+      <p:sp>
+        <p:nvSpPr>
+          <p:cNvPr id="4" name="Rectangle 3">
+            <a:extLst>
+              <a:ext uri="{FF2B5EF4-FFF2-40B4-BE49-F238E27FC236}">
+                <a16:creationId xmlns:a16="http://schemas.microsoft.com/office/drawing/2014/main" id="{779DF8B2-AAD8-2E4A-B3DB-9CE9ECF4AD52}"/>
+              </a:ext>
+            </a:extLst>
+          </p:cNvPr>
+          <p:cNvSpPr/>
+          <p:nvPr/>
+        </p:nvSpPr>
+        <p:spPr>
+          <a:xfrm>
+            <a:off x="706582" y="1066800"/>
+            <a:ext cx="6858000" cy="369332"/>
+          </a:xfrm>
+          <a:prstGeom prst="rect">
+            <a:avLst/>
+          </a:prstGeom>
+        </p:spPr>
+        <p:txBody>
+          <a:bodyPr wrap="square">
+            <a:spAutoFit/>
+          </a:bodyPr>
+          <a:lstStyle/>
+          <a:p>
+            <a:r>
+              <a:rPr lang="en-US" sz="1800" dirty="0">
+                <a:latin typeface="Courier New" panose="02070309020205020404" pitchFamily="49" charset="0"/>
+                <a:cs typeface="Courier New" panose="02070309020205020404" pitchFamily="49" charset="0"/>
+              </a:rPr>
+              <a:t>v1: IR =&gt; </a:t>
+            </a:r>
+            <a:r>
+              <a:rPr lang="en-US" sz="1800" dirty="0" err="1">
+                <a:latin typeface="Courier New" panose="02070309020205020404" pitchFamily="49" charset="0"/>
+                <a:cs typeface="Courier New" panose="02070309020205020404" pitchFamily="49" charset="0"/>
+              </a:rPr>
+              <a:t>pIR</a:t>
+            </a:r>
+            <a:r>
+              <a:rPr lang="en-US" sz="1800" dirty="0">
+                <a:latin typeface="Courier New" panose="02070309020205020404" pitchFamily="49" charset="0"/>
+                <a:cs typeface="Courier New" panose="02070309020205020404" pitchFamily="49" charset="0"/>
+              </a:rPr>
+              <a:t>; compartment*V1*IR/(Km1 + IR) </a:t>
+            </a:r>
+          </a:p>
+        </p:txBody>
+      </p:sp>
+    </p:spTree>
+    <p:extLst>
+      <p:ext uri="{BB962C8B-B14F-4D97-AF65-F5344CB8AC3E}">
+        <p14:creationId xmlns:p14="http://schemas.microsoft.com/office/powerpoint/2010/main" val="2504565892"/>
+      </p:ext>
+    </p:extLst>
+  </p:cSld>
+  <p:clrMapOvr>
+    <a:masterClrMapping/>
+  </p:clrMapOvr>
+</p:sld>
+</file>
+
+<file path=ppt/slides/slide7.xml><?xml version="1.0" encoding="utf-8"?>
+<p:sld xmlns:a="http://schemas.openxmlformats.org/drawingml/2006/main" xmlns:r="http://schemas.openxmlformats.org/officeDocument/2006/relationships" xmlns:p="http://schemas.openxmlformats.org/presentationml/2006/main">
+  <p:cSld>
+    <p:spTree>
+      <p:nvGrpSpPr>
+        <p:cNvPr id="1" name=""/>
+        <p:cNvGrpSpPr/>
+        <p:nvPr/>
+      </p:nvGrpSpPr>
+      <p:grpSpPr>
+        <a:xfrm>
+          <a:off x="0" y="0"/>
+          <a:ext cx="0" cy="0"/>
+          <a:chOff x="0" y="0"/>
+          <a:chExt cx="0" cy="0"/>
+        </a:xfrm>
+      </p:grpSpPr>
+      <p:sp>
+        <p:nvSpPr>
+          <p:cNvPr id="2" name="Title 1">
+            <a:extLst>
+              <a:ext uri="{FF2B5EF4-FFF2-40B4-BE49-F238E27FC236}">
+                <a16:creationId xmlns:a16="http://schemas.microsoft.com/office/drawing/2014/main" id="{86AB76B3-1733-DD40-A1C4-9BFDAD7D6AF1}"/>
+              </a:ext>
+            </a:extLst>
+          </p:cNvPr>
+          <p:cNvSpPr>
+            <a:spLocks noGrp="1"/>
+          </p:cNvSpPr>
+          <p:nvPr>
+            <p:ph type="title"/>
+          </p:nvPr>
+        </p:nvSpPr>
+        <p:spPr/>
+        <p:txBody>
+          <a:bodyPr/>
+          <a:lstStyle/>
+          <a:p>
+            <a:r>
+              <a:rPr lang="en-US" dirty="0"/>
+              <a:t>Types of Kinetics</a:t>
+            </a:r>
+          </a:p>
+        </p:txBody>
+      </p:sp>
+      <p:sp>
+        <p:nvSpPr>
+          <p:cNvPr id="3" name="Slide Number Placeholder 2">
+            <a:extLst>
+              <a:ext uri="{FF2B5EF4-FFF2-40B4-BE49-F238E27FC236}">
+                <a16:creationId xmlns:a16="http://schemas.microsoft.com/office/drawing/2014/main" id="{10F3F2B1-0EFD-B347-A3EF-4ED184FAECB8}"/>
+              </a:ext>
+            </a:extLst>
+          </p:cNvPr>
+          <p:cNvSpPr>
+            <a:spLocks noGrp="1"/>
+          </p:cNvSpPr>
+          <p:nvPr>
+            <p:ph type="sldNum" idx="12"/>
+          </p:nvPr>
+        </p:nvSpPr>
+        <p:spPr/>
+        <p:txBody>
+          <a:bodyPr/>
+          <a:lstStyle/>
+          <a:p>
+            <a:pPr marL="0" lvl="0" indent="0" algn="l" rtl="0">
+              <a:spcBef>
+                <a:spcPts val="0"/>
+              </a:spcBef>
+              <a:spcAft>
+                <a:spcPts val="0"/>
+              </a:spcAft>
+              <a:buNone/>
+            </a:pPr>
+            <a:fld id="{00000000-1234-1234-1234-123412341234}" type="slidenum">
+              <a:rPr lang="en-US" smtClean="0"/>
+              <a:t>7</a:t>
+            </a:fld>
+            <a:endParaRPr lang="en-US"/>
+          </a:p>
+        </p:txBody>
+      </p:sp>
+    </p:spTree>
+    <p:extLst>
+      <p:ext uri="{BB962C8B-B14F-4D97-AF65-F5344CB8AC3E}">
+        <p14:creationId xmlns:p14="http://schemas.microsoft.com/office/powerpoint/2010/main" val="3198836764"/>
       </p:ext>
     </p:extLst>
   </p:cSld>
